--- a/Gun_Violence_EDA.pptx
+++ b/Gun_Violence_EDA.pptx
@@ -19,11 +19,12 @@
     <p:sldId id="329" r:id="rId13"/>
     <p:sldId id="330" r:id="rId14"/>
     <p:sldId id="331" r:id="rId15"/>
-    <p:sldId id="332" r:id="rId16"/>
-    <p:sldId id="333" r:id="rId17"/>
-    <p:sldId id="334" r:id="rId18"/>
-    <p:sldId id="335" r:id="rId19"/>
-    <p:sldId id="336" r:id="rId20"/>
+    <p:sldId id="337" r:id="rId16"/>
+    <p:sldId id="332" r:id="rId17"/>
+    <p:sldId id="333" r:id="rId18"/>
+    <p:sldId id="334" r:id="rId19"/>
+    <p:sldId id="335" r:id="rId20"/>
+    <p:sldId id="336" r:id="rId21"/>
   </p:sldIdLst>
   <p:sldSz cx="12192000" cy="6858000"/>
   <p:notesSz cx="6858000" cy="9144000"/>
@@ -6804,8 +6805,8 @@
         </p:blipFill>
         <p:spPr>
           <a:xfrm>
-            <a:off x="1667999" y="689287"/>
-            <a:ext cx="8856002" cy="5479426"/>
+            <a:off x="1391056" y="517936"/>
+            <a:ext cx="9382274" cy="5805043"/>
           </a:xfrm>
           <a:prstGeom prst="rect">
             <a:avLst/>
@@ -6826,6 +6827,72 @@
 </file>
 
 <file path=ppt/slides/slide13.xml><?xml version="1.0" encoding="utf-8"?>
+<p:sld xmlns:a="http://schemas.openxmlformats.org/drawingml/2006/main" xmlns:r="http://schemas.openxmlformats.org/officeDocument/2006/relationships" xmlns:p="http://schemas.openxmlformats.org/presentationml/2006/main">
+  <p:cSld>
+    <p:spTree>
+      <p:nvGrpSpPr>
+        <p:cNvPr id="1" name=""/>
+        <p:cNvGrpSpPr/>
+        <p:nvPr/>
+      </p:nvGrpSpPr>
+      <p:grpSpPr>
+        <a:xfrm>
+          <a:off x="0" y="0"/>
+          <a:ext cx="0" cy="0"/>
+          <a:chOff x="0" y="0"/>
+          <a:chExt cx="0" cy="0"/>
+        </a:xfrm>
+      </p:grpSpPr>
+      <p:pic>
+        <p:nvPicPr>
+          <p:cNvPr id="3" name="Picture 2" descr="A diagram of an object regulations&#10;&#10;Description automatically generated">
+            <a:extLst>
+              <a:ext uri="{FF2B5EF4-FFF2-40B4-BE49-F238E27FC236}">
+                <a16:creationId xmlns:a16="http://schemas.microsoft.com/office/drawing/2014/main" id="{D84EC045-64EE-AA96-BD42-B2B2C0A5033C}"/>
+              </a:ext>
+            </a:extLst>
+          </p:cNvPr>
+          <p:cNvPicPr>
+            <a:picLocks noChangeAspect="1"/>
+          </p:cNvPicPr>
+          <p:nvPr/>
+        </p:nvPicPr>
+        <p:blipFill>
+          <a:blip r:embed="rId2">
+            <a:extLst>
+              <a:ext uri="{28A0092B-C50C-407E-A947-70E740481C1C}">
+                <a14:useLocalDpi xmlns:a14="http://schemas.microsoft.com/office/drawing/2010/main" val="0"/>
+              </a:ext>
+            </a:extLst>
+          </a:blip>
+          <a:stretch>
+            <a:fillRect/>
+          </a:stretch>
+        </p:blipFill>
+        <p:spPr>
+          <a:xfrm>
+            <a:off x="1519842" y="203280"/>
+            <a:ext cx="9152316" cy="6451440"/>
+          </a:xfrm>
+          <a:prstGeom prst="rect">
+            <a:avLst/>
+          </a:prstGeom>
+        </p:spPr>
+      </p:pic>
+    </p:spTree>
+    <p:extLst>
+      <p:ext uri="{BB962C8B-B14F-4D97-AF65-F5344CB8AC3E}">
+        <p14:creationId xmlns:p14="http://schemas.microsoft.com/office/powerpoint/2010/main" val="1998776836"/>
+      </p:ext>
+    </p:extLst>
+  </p:cSld>
+  <p:clrMapOvr>
+    <a:masterClrMapping/>
+  </p:clrMapOvr>
+</p:sld>
+</file>
+
+<file path=ppt/slides/slide14.xml><?xml version="1.0" encoding="utf-8"?>
 <p:sld xmlns:a="http://schemas.openxmlformats.org/drawingml/2006/main" xmlns:r="http://schemas.openxmlformats.org/officeDocument/2006/relationships" xmlns:p="http://schemas.openxmlformats.org/presentationml/2006/main">
   <p:cSld>
     <p:spTree>
@@ -7129,7 +7196,7 @@
 </p:sld>
 </file>
 
-<file path=ppt/slides/slide14.xml><?xml version="1.0" encoding="utf-8"?>
+<file path=ppt/slides/slide15.xml><?xml version="1.0" encoding="utf-8"?>
 <p:sld xmlns:a="http://schemas.openxmlformats.org/drawingml/2006/main" xmlns:r="http://schemas.openxmlformats.org/officeDocument/2006/relationships" xmlns:p="http://schemas.openxmlformats.org/presentationml/2006/main">
   <p:cSld>
     <p:spTree>
@@ -7195,7 +7262,7 @@
 </p:sld>
 </file>
 
-<file path=ppt/slides/slide15.xml><?xml version="1.0" encoding="utf-8"?>
+<file path=ppt/slides/slide16.xml><?xml version="1.0" encoding="utf-8"?>
 <p:sld xmlns:a="http://schemas.openxmlformats.org/drawingml/2006/main" xmlns:r="http://schemas.openxmlformats.org/officeDocument/2006/relationships" xmlns:p="http://schemas.openxmlformats.org/presentationml/2006/main">
   <p:cSld>
     <p:bg>
@@ -7646,7 +7713,7 @@
 </p:sld>
 </file>
 
-<file path=ppt/slides/slide16.xml><?xml version="1.0" encoding="utf-8"?>
+<file path=ppt/slides/slide17.xml><?xml version="1.0" encoding="utf-8"?>
 <p:sld xmlns:a="http://schemas.openxmlformats.org/drawingml/2006/main" xmlns:r="http://schemas.openxmlformats.org/officeDocument/2006/relationships" xmlns:p="http://schemas.openxmlformats.org/presentationml/2006/main">
   <p:cSld>
     <p:spTree>
@@ -7999,7 +8066,7 @@
 </p:sld>
 </file>
 
-<file path=ppt/slides/slide17.xml><?xml version="1.0" encoding="utf-8"?>
+<file path=ppt/slides/slide18.xml><?xml version="1.0" encoding="utf-8"?>
 <p:sld xmlns:a="http://schemas.openxmlformats.org/drawingml/2006/main" xmlns:r="http://schemas.openxmlformats.org/officeDocument/2006/relationships" xmlns:p="http://schemas.openxmlformats.org/presentationml/2006/main">
   <p:cSld>
     <p:bg>
@@ -13074,7 +13141,7 @@
               </a:spcAft>
             </a:pPr>
             <a:r>
-              <a:rPr lang="en-US" sz="2400">
+              <a:rPr lang="en-US" sz="2400" dirty="0">
                 <a:solidFill>
                   <a:schemeClr val="bg1"/>
                 </a:solidFill>

--- a/Gun_Violence_EDA.pptx
+++ b/Gun_Violence_EDA.pptx
@@ -6109,6 +6109,14 @@
 <file path=ppt/slides/slide1.xml><?xml version="1.0" encoding="utf-8"?>
 <p:sld xmlns:a="http://schemas.openxmlformats.org/drawingml/2006/main" xmlns:r="http://schemas.openxmlformats.org/officeDocument/2006/relationships" xmlns:p="http://schemas.openxmlformats.org/presentationml/2006/main">
   <p:cSld>
+    <p:bg>
+      <p:bgPr>
+        <a:solidFill>
+          <a:schemeClr val="bg1"/>
+        </a:solidFill>
+        <a:effectLst/>
+      </p:bgPr>
+    </p:bg>
     <p:spTree>
       <p:nvGrpSpPr>
         <p:cNvPr id="1" name=""/>
@@ -6123,12 +6131,72 @@
           <a:chExt cx="0" cy="0"/>
         </a:xfrm>
       </p:grpSpPr>
+      <p:sp useBgFill="1">
+        <p:nvSpPr>
+          <p:cNvPr id="11" name="Rectangle 10">
+            <a:extLst>
+              <a:ext uri="{FF2B5EF4-FFF2-40B4-BE49-F238E27FC236}">
+                <a16:creationId xmlns:a16="http://schemas.microsoft.com/office/drawing/2014/main" id="{526E0BFB-CDF1-4990-8C11-AC849311E0A8}"/>
+              </a:ext>
+              <a:ext uri="{C183D7F6-B498-43B3-948B-1728B52AA6E4}">
+                <adec:decorative xmlns:adec="http://schemas.microsoft.com/office/drawing/2017/decorative" val="1"/>
+              </a:ext>
+            </a:extLst>
+          </p:cNvPr>
+          <p:cNvSpPr>
+            <a:spLocks noGrp="1" noRot="1" noChangeAspect="1" noMove="1" noResize="1" noEditPoints="1" noAdjustHandles="1" noChangeArrowheads="1" noChangeShapeType="1" noTextEdit="1"/>
+          </p:cNvSpPr>
+          <p:nvPr>
+            <p:extLst>
+              <p:ext uri="{386F3935-93C4-4BCD-93E2-E3B085C9AB24}">
+                <p16:designElem xmlns:p16="http://schemas.microsoft.com/office/powerpoint/2015/main" val="1"/>
+              </p:ext>
+            </p:extLst>
+          </p:nvPr>
+        </p:nvSpPr>
+        <p:spPr>
+          <a:xfrm>
+            <a:off x="0" y="0"/>
+            <a:ext cx="12192000" cy="6858000"/>
+          </a:xfrm>
+          <a:prstGeom prst="rect">
+            <a:avLst/>
+          </a:prstGeom>
+          <a:ln>
+            <a:noFill/>
+          </a:ln>
+        </p:spPr>
+        <p:style>
+          <a:lnRef idx="2">
+            <a:schemeClr val="accent1">
+              <a:shade val="50000"/>
+            </a:schemeClr>
+          </a:lnRef>
+          <a:fillRef idx="1">
+            <a:schemeClr val="accent1"/>
+          </a:fillRef>
+          <a:effectRef idx="0">
+            <a:schemeClr val="accent1"/>
+          </a:effectRef>
+          <a:fontRef idx="minor">
+            <a:schemeClr val="lt1"/>
+          </a:fontRef>
+        </p:style>
+        <p:txBody>
+          <a:bodyPr rtlCol="0" anchor="ctr"/>
+          <a:lstStyle/>
+          <a:p>
+            <a:pPr algn="ctr"/>
+            <a:endParaRPr lang="en-US"/>
+          </a:p>
+        </p:txBody>
+      </p:sp>
       <p:pic>
         <p:nvPicPr>
-          <p:cNvPr id="3" name="Picture 2" descr="A black object with white stripes&#10;&#10;Description automatically generated">
+          <p:cNvPr id="4" name="Picture 3" descr="An object with red ribbon flying around it&#10;&#10;Description automatically generated">
             <a:extLst>
               <a:ext uri="{FF2B5EF4-FFF2-40B4-BE49-F238E27FC236}">
-                <a16:creationId xmlns:a16="http://schemas.microsoft.com/office/drawing/2014/main" id="{4EFC00DC-51DA-EDDC-0763-CDF4A253592F}"/>
+                <a16:creationId xmlns:a16="http://schemas.microsoft.com/office/drawing/2014/main" id="{ACE7E38A-E255-E53B-B641-9EB22E1D2719}"/>
               </a:ext>
             </a:extLst>
           </p:cNvPr>
@@ -6137,7 +6205,7 @@
           </p:cNvPicPr>
           <p:nvPr/>
         </p:nvPicPr>
-        <p:blipFill>
+        <p:blipFill rotWithShape="1">
           <a:blip r:embed="rId2">
             <a:extLst>
               <a:ext uri="{28A0092B-C50C-407E-A947-70E740481C1C}">
@@ -6145,20 +6213,100 @@
               </a:ext>
             </a:extLst>
           </a:blip>
-          <a:stretch>
-            <a:fillRect/>
-          </a:stretch>
+          <a:srcRect l="9091" t="14079" r="-2" b="2773"/>
+          <a:stretch/>
         </p:blipFill>
         <p:spPr>
           <a:xfrm>
-            <a:off x="1809750" y="1455253"/>
-            <a:ext cx="8572500" cy="5143500"/>
+            <a:off x="-2" y="10"/>
+            <a:ext cx="8668512" cy="6857990"/>
           </a:xfrm>
           <a:prstGeom prst="rect">
             <a:avLst/>
           </a:prstGeom>
         </p:spPr>
       </p:pic>
+      <p:sp>
+        <p:nvSpPr>
+          <p:cNvPr id="13" name="Rectangle 12">
+            <a:extLst>
+              <a:ext uri="{FF2B5EF4-FFF2-40B4-BE49-F238E27FC236}">
+                <a16:creationId xmlns:a16="http://schemas.microsoft.com/office/drawing/2014/main" id="{6069A1F8-9BEB-4786-9694-FC48B2D75D21}"/>
+              </a:ext>
+              <a:ext uri="{C183D7F6-B498-43B3-948B-1728B52AA6E4}">
+                <adec:decorative xmlns:adec="http://schemas.microsoft.com/office/drawing/2017/decorative" val="1"/>
+              </a:ext>
+            </a:extLst>
+          </p:cNvPr>
+          <p:cNvSpPr>
+            <a:spLocks noGrp="1" noRot="1" noChangeAspect="1" noMove="1" noResize="1" noEditPoints="1" noAdjustHandles="1" noChangeArrowheads="1" noChangeShapeType="1" noTextEdit="1"/>
+          </p:cNvSpPr>
+          <p:nvPr>
+            <p:extLst>
+              <p:ext uri="{386F3935-93C4-4BCD-93E2-E3B085C9AB24}">
+                <p16:designElem xmlns:p16="http://schemas.microsoft.com/office/powerpoint/2015/main" val="1"/>
+              </p:ext>
+            </p:extLst>
+          </p:nvPr>
+        </p:nvSpPr>
+        <p:spPr>
+          <a:xfrm flipH="1">
+            <a:off x="2788244" y="0"/>
+            <a:ext cx="9403756" cy="6858000"/>
+          </a:xfrm>
+          <a:prstGeom prst="rect">
+            <a:avLst/>
+          </a:prstGeom>
+          <a:gradFill>
+            <a:gsLst>
+              <a:gs pos="58000">
+                <a:schemeClr val="tx1"/>
+              </a:gs>
+              <a:gs pos="30000">
+                <a:schemeClr val="tx1">
+                  <a:alpha val="64000"/>
+                </a:schemeClr>
+              </a:gs>
+              <a:gs pos="0">
+                <a:schemeClr val="tx1">
+                  <a:alpha val="0"/>
+                </a:schemeClr>
+              </a:gs>
+              <a:gs pos="100000">
+                <a:schemeClr val="tx1"/>
+              </a:gs>
+            </a:gsLst>
+            <a:lin ang="10800000" scaled="0"/>
+          </a:gradFill>
+          <a:ln>
+            <a:noFill/>
+          </a:ln>
+        </p:spPr>
+        <p:style>
+          <a:lnRef idx="2">
+            <a:schemeClr val="accent1">
+              <a:shade val="50000"/>
+            </a:schemeClr>
+          </a:lnRef>
+          <a:fillRef idx="1">
+            <a:schemeClr val="accent1"/>
+          </a:fillRef>
+          <a:effectRef idx="0">
+            <a:schemeClr val="accent1"/>
+          </a:effectRef>
+          <a:fontRef idx="minor">
+            <a:schemeClr val="lt1"/>
+          </a:fontRef>
+        </p:style>
+        <p:txBody>
+          <a:bodyPr rtlCol="0" anchor="ctr"/>
+          <a:lstStyle/>
+          <a:p>
+            <a:pPr algn="ctr"/>
+            <a:endParaRPr lang="en-US" dirty="0"/>
+          </a:p>
+        </p:txBody>
+      </p:sp>
       <p:sp>
         <p:nvSpPr>
           <p:cNvPr id="6" name="TextBox 5">
@@ -6173,39 +6321,36 @@
         </p:nvSpPr>
         <p:spPr>
           <a:xfrm>
-            <a:off x="862519" y="154384"/>
-            <a:ext cx="10466961" cy="1300869"/>
+            <a:off x="7490122" y="2328204"/>
+            <a:ext cx="4643336" cy="2201592"/>
           </a:xfrm>
           <a:prstGeom prst="rect">
             <a:avLst/>
           </a:prstGeom>
-          <a:noFill/>
         </p:spPr>
         <p:txBody>
-          <a:bodyPr wrap="square">
-            <a:spAutoFit/>
+          <a:bodyPr vert="horz" lIns="91440" tIns="45720" rIns="91440" bIns="45720" rtlCol="0" anchor="b">
+            <a:normAutofit/>
           </a:bodyPr>
           <a:lstStyle/>
           <a:p>
-            <a:pPr marL="0" marR="0" lvl="0" indent="0" algn="ctr" defTabSz="914400" rtl="0" eaLnBrk="1" fontAlgn="auto" latinLnBrk="0" hangingPunct="1">
+            <a:pPr marL="0" marR="0" lvl="0" indent="0" fontAlgn="auto">
               <a:lnSpc>
                 <a:spcPct val="90000"/>
               </a:lnSpc>
               <a:spcBef>
-                <a:spcPts val="1000"/>
+                <a:spcPct val="0"/>
               </a:spcBef>
               <a:spcAft>
-                <a:spcPts val="0"/>
+                <a:spcPts val="600"/>
               </a:spcAft>
               <a:buClrTx/>
               <a:buSzTx/>
-              <a:buFont typeface="Arial" panose="020B0604020202020204" pitchFamily="34" charset="0"/>
-              <a:buNone/>
               <a:tabLst/>
               <a:defRPr/>
             </a:pPr>
             <a:r>
-              <a:rPr kumimoji="0" lang="es-ES" sz="5400" b="0" i="0" u="none" strike="noStrike" kern="1200" cap="none" spc="0" normalizeH="0" baseline="0" noProof="0" dirty="0">
+              <a:rPr kumimoji="0" lang="en-US" sz="4400" b="0" i="0" u="none" strike="noStrike" cap="none" spc="0" normalizeH="0" baseline="0" noProof="0" dirty="0">
                 <a:ln>
                   <a:noFill/>
                 </a:ln>
@@ -6215,60 +6360,41 @@
                 <a:effectLst/>
                 <a:uLnTx/>
                 <a:uFillTx/>
-                <a:latin typeface="Arial"/>
-                <a:cs typeface="Arial" pitchFamily="34" charset="0"/>
+                <a:latin typeface="+mj-lt"/>
+                <a:ea typeface="+mj-ea"/>
+                <a:cs typeface="+mj-cs"/>
               </a:rPr>
-              <a:t>EDA: Gun </a:t>
+              <a:t>EDA: Gun Deaths in America</a:t>
             </a:r>
+          </a:p>
+          <a:p>
+            <a:pPr marL="0" marR="0" lvl="0" indent="0" fontAlgn="auto">
+              <a:lnSpc>
+                <a:spcPct val="90000"/>
+              </a:lnSpc>
+              <a:spcBef>
+                <a:spcPct val="0"/>
+              </a:spcBef>
+              <a:spcAft>
+                <a:spcPts val="600"/>
+              </a:spcAft>
+              <a:buClrTx/>
+              <a:buSzTx/>
+              <a:tabLst/>
+              <a:defRPr/>
+            </a:pPr>
             <a:r>
-              <a:rPr kumimoji="0" lang="es-ES" sz="5400" b="0" i="0" u="none" strike="noStrike" kern="1200" cap="none" spc="0" normalizeH="0" baseline="0" noProof="0" dirty="0" err="1">
-                <a:ln>
-                  <a:noFill/>
-                </a:ln>
+              <a:rPr lang="en-US" sz="2400" dirty="0">
                 <a:solidFill>
                   <a:schemeClr val="bg1"/>
                 </a:solidFill>
-                <a:effectLst/>
-                <a:uLnTx/>
-                <a:uFillTx/>
-                <a:latin typeface="Arial"/>
-                <a:cs typeface="Arial" pitchFamily="34" charset="0"/>
+                <a:latin typeface="+mj-lt"/>
+                <a:ea typeface="+mj-ea"/>
+                <a:cs typeface="+mj-cs"/>
               </a:rPr>
-              <a:t>Violence</a:t>
+              <a:t>By Dustin White</a:t>
             </a:r>
-            <a:r>
-              <a:rPr kumimoji="0" lang="es-ES" sz="5400" b="0" i="0" u="none" strike="noStrike" kern="1200" cap="none" spc="0" normalizeH="0" baseline="0" noProof="0" dirty="0">
-                <a:ln>
-                  <a:noFill/>
-                </a:ln>
-                <a:solidFill>
-                  <a:schemeClr val="bg1"/>
-                </a:solidFill>
-                <a:effectLst/>
-                <a:uLnTx/>
-                <a:uFillTx/>
-                <a:latin typeface="Arial"/>
-                <a:cs typeface="Arial" pitchFamily="34" charset="0"/>
-              </a:rPr>
-              <a:t> in </a:t>
-            </a:r>
-            <a:r>
-              <a:rPr kumimoji="0" lang="es-ES" sz="5400" b="0" i="0" u="none" strike="noStrike" kern="1200" cap="none" spc="0" normalizeH="0" baseline="0" noProof="0" dirty="0" err="1">
-                <a:ln>
-                  <a:noFill/>
-                </a:ln>
-                <a:solidFill>
-                  <a:schemeClr val="bg1"/>
-                </a:solidFill>
-                <a:effectLst/>
-                <a:uLnTx/>
-                <a:uFillTx/>
-                <a:latin typeface="Arial"/>
-                <a:cs typeface="Arial" pitchFamily="34" charset="0"/>
-              </a:rPr>
-              <a:t>America</a:t>
-            </a:r>
-            <a:endParaRPr kumimoji="0" lang="es-ES" sz="5400" b="0" i="0" u="none" strike="noStrike" kern="1200" cap="none" spc="0" normalizeH="0" baseline="0" noProof="0" dirty="0">
+            <a:endParaRPr kumimoji="0" lang="en-US" sz="2400" b="0" i="0" u="none" strike="noStrike" cap="none" spc="0" normalizeH="0" baseline="0" noProof="0" dirty="0">
               <a:ln>
                 <a:noFill/>
               </a:ln>
@@ -6278,60 +6404,170 @@
               <a:effectLst/>
               <a:uLnTx/>
               <a:uFillTx/>
-              <a:latin typeface="Arial"/>
-              <a:cs typeface="Arial" pitchFamily="34" charset="0"/>
+              <a:latin typeface="+mj-lt"/>
+              <a:ea typeface="+mj-ea"/>
+              <a:cs typeface="+mj-cs"/>
             </a:endParaRPr>
           </a:p>
+        </p:txBody>
+      </p:sp>
+      <p:sp>
+        <p:nvSpPr>
+          <p:cNvPr id="15" name="Rectangle 14">
+            <a:extLst>
+              <a:ext uri="{FF2B5EF4-FFF2-40B4-BE49-F238E27FC236}">
+                <a16:creationId xmlns:a16="http://schemas.microsoft.com/office/drawing/2014/main" id="{AF2F604E-43BE-4DC3-B983-E071523364F8}"/>
+              </a:ext>
+              <a:ext uri="{C183D7F6-B498-43B3-948B-1728B52AA6E4}">
+                <adec:decorative xmlns:adec="http://schemas.microsoft.com/office/drawing/2017/decorative" val="1"/>
+              </a:ext>
+            </a:extLst>
+          </p:cNvPr>
+          <p:cNvSpPr>
+            <a:spLocks noGrp="1" noRot="1" noChangeAspect="1" noMove="1" noResize="1" noEditPoints="1" noAdjustHandles="1" noChangeArrowheads="1" noChangeShapeType="1" noTextEdit="1"/>
+          </p:cNvSpPr>
+          <p:nvPr>
+            <p:extLst>
+              <p:ext uri="{386F3935-93C4-4BCD-93E2-E3B085C9AB24}">
+                <p16:designElem xmlns:p16="http://schemas.microsoft.com/office/powerpoint/2015/main" val="1"/>
+              </p:ext>
+            </p:extLst>
+          </p:nvPr>
+        </p:nvSpPr>
+        <p:spPr>
+          <a:xfrm rot="5400000">
+            <a:off x="8130540" y="346791"/>
+            <a:ext cx="146304" cy="704088"/>
+          </a:xfrm>
+          <a:prstGeom prst="rect">
+            <a:avLst/>
+          </a:prstGeom>
+          <a:solidFill>
+            <a:schemeClr val="accent2"/>
+          </a:solidFill>
+          <a:ln>
+            <a:noFill/>
+          </a:ln>
+        </p:spPr>
+        <p:style>
+          <a:lnRef idx="2">
+            <a:schemeClr val="accent1">
+              <a:shade val="50000"/>
+            </a:schemeClr>
+          </a:lnRef>
+          <a:fillRef idx="1">
+            <a:schemeClr val="accent1"/>
+          </a:fillRef>
+          <a:effectRef idx="0">
+            <a:schemeClr val="accent1"/>
+          </a:effectRef>
+          <a:fontRef idx="minor">
+            <a:schemeClr val="lt1"/>
+          </a:fontRef>
+        </p:style>
+        <p:txBody>
+          <a:bodyPr rtlCol="0" anchor="ctr"/>
+          <a:lstStyle/>
+          <a:p>
+            <a:pPr algn="ctr"/>
+            <a:endParaRPr lang="en-US">
+              <a:solidFill>
+                <a:prstClr val="white"/>
+              </a:solidFill>
+              <a:latin typeface="Calibri" panose="020F0502020204030204"/>
+            </a:endParaRPr>
+          </a:p>
+        </p:txBody>
+      </p:sp>
+      <p:sp>
+        <p:nvSpPr>
+          <p:cNvPr id="17" name="Rectangle 16">
+            <a:extLst>
+              <a:ext uri="{FF2B5EF4-FFF2-40B4-BE49-F238E27FC236}">
+                <a16:creationId xmlns:a16="http://schemas.microsoft.com/office/drawing/2014/main" id="{08C9B587-E65E-4B52-B37C-ABEBB6E87928}"/>
+              </a:ext>
+              <a:ext uri="{C183D7F6-B498-43B3-948B-1728B52AA6E4}">
+                <adec:decorative xmlns:adec="http://schemas.microsoft.com/office/drawing/2017/decorative" val="1"/>
+              </a:ext>
+            </a:extLst>
+          </p:cNvPr>
+          <p:cNvSpPr>
+            <a:spLocks noGrp="1" noRot="1" noChangeAspect="1" noMove="1" noResize="1" noEditPoints="1" noAdjustHandles="1" noChangeArrowheads="1" noChangeShapeType="1" noTextEdit="1"/>
+          </p:cNvSpPr>
+          <p:nvPr>
+            <p:extLst>
+              <p:ext uri="{386F3935-93C4-4BCD-93E2-E3B085C9AB24}">
+                <p16:designElem xmlns:p16="http://schemas.microsoft.com/office/powerpoint/2015/main" val="1"/>
+              </p:ext>
+            </p:extLst>
+          </p:nvPr>
+        </p:nvSpPr>
+        <p:spPr>
+          <a:xfrm>
+            <a:off x="7851648" y="4546920"/>
+            <a:ext cx="4023360" cy="18288"/>
+          </a:xfrm>
+          <a:prstGeom prst="rect">
+            <a:avLst/>
+          </a:prstGeom>
+          <a:solidFill>
+            <a:schemeClr val="tx1"/>
+          </a:solidFill>
+          <a:ln w="3175">
+            <a:noFill/>
+          </a:ln>
+          <a:effectLst/>
+        </p:spPr>
+        <p:style>
+          <a:lnRef idx="2">
+            <a:schemeClr val="accent1">
+              <a:shade val="50000"/>
+            </a:schemeClr>
+          </a:lnRef>
+          <a:fillRef idx="1">
+            <a:schemeClr val="accent1"/>
+          </a:fillRef>
+          <a:effectRef idx="0">
+            <a:schemeClr val="accent1"/>
+          </a:effectRef>
+          <a:fontRef idx="minor">
+            <a:schemeClr val="lt1"/>
+          </a:fontRef>
+        </p:style>
+        <p:txBody>
+          <a:bodyPr rtlCol="0" anchor="ctr"/>
+          <a:lstStyle/>
           <a:p>
             <a:pPr marL="0" marR="0" lvl="0" indent="0" algn="ctr" defTabSz="914400" rtl="0" eaLnBrk="1" fontAlgn="auto" latinLnBrk="0" hangingPunct="1">
               <a:lnSpc>
-                <a:spcPct val="90000"/>
+                <a:spcPct val="100000"/>
               </a:lnSpc>
               <a:spcBef>
-                <a:spcPts val="1000"/>
+                <a:spcPts val="0"/>
               </a:spcBef>
               <a:spcAft>
                 <a:spcPts val="0"/>
               </a:spcAft>
               <a:buClrTx/>
               <a:buSzTx/>
-              <a:buFont typeface="Arial" panose="020B0604020202020204" pitchFamily="34" charset="0"/>
+              <a:buFontTx/>
               <a:buNone/>
               <a:tabLst/>
               <a:defRPr/>
             </a:pPr>
-            <a:r>
-              <a:rPr lang="es-ES" sz="2400" dirty="0" err="1">
-                <a:solidFill>
-                  <a:schemeClr val="bg1"/>
-                </a:solidFill>
-                <a:latin typeface="Arial"/>
-                <a:cs typeface="Arial" pitchFamily="34" charset="0"/>
-              </a:rPr>
-              <a:t>By</a:t>
-            </a:r>
-            <a:r>
-              <a:rPr lang="es-ES" sz="2400" dirty="0">
-                <a:solidFill>
-                  <a:schemeClr val="bg1"/>
-                </a:solidFill>
-                <a:latin typeface="Arial"/>
-                <a:cs typeface="Arial" pitchFamily="34" charset="0"/>
-              </a:rPr>
-              <a:t> Dustin White</a:t>
-            </a:r>
-            <a:endParaRPr kumimoji="0" lang="es-ES" sz="2400" b="0" i="0" u="none" strike="noStrike" kern="1200" cap="none" spc="0" normalizeH="0" baseline="0" noProof="0" dirty="0">
+            <a:endParaRPr kumimoji="0" lang="en-US" sz="1800" b="0" i="0" u="none" strike="noStrike" kern="1200" cap="none" spc="0" normalizeH="0" baseline="0" noProof="0">
               <a:ln>
                 <a:noFill/>
               </a:ln>
               <a:solidFill>
-                <a:schemeClr val="bg1"/>
+                <a:prstClr val="white"/>
               </a:solidFill>
               <a:effectLst/>
               <a:uLnTx/>
               <a:uFillTx/>
-              <a:latin typeface="Arial"/>
-              <a:cs typeface="Arial" pitchFamily="34" charset="0"/>
+              <a:latin typeface="Calibri" panose="020F0502020204030204"/>
+              <a:ea typeface="+mn-ea"/>
+              <a:cs typeface="+mn-cs"/>
             </a:endParaRPr>
           </a:p>
         </p:txBody>
@@ -9169,10 +9405,10 @@
       </p:sp>
       <p:pic>
         <p:nvPicPr>
-          <p:cNvPr id="5" name="Picture 4" descr="An object with a couple of children&#10;&#10;Description automatically generated">
+          <p:cNvPr id="3" name="Picture 2" descr="A black object with white stripes&#10;&#10;Description automatically generated">
             <a:extLst>
               <a:ext uri="{FF2B5EF4-FFF2-40B4-BE49-F238E27FC236}">
-                <a16:creationId xmlns:a16="http://schemas.microsoft.com/office/drawing/2014/main" id="{FF5ED2DA-FA4D-AE7E-213C-F1460C9CF8F1}"/>
+                <a16:creationId xmlns:a16="http://schemas.microsoft.com/office/drawing/2014/main" id="{0A29F960-46B6-96D4-06CF-14A8938D0DF3}"/>
               </a:ext>
             </a:extLst>
           </p:cNvPr>
@@ -9195,8 +9431,8 @@
         </p:blipFill>
         <p:spPr>
           <a:xfrm>
-            <a:off x="5822500" y="2603363"/>
-            <a:ext cx="6369499" cy="4249650"/>
+            <a:off x="5796352" y="2059931"/>
+            <a:ext cx="6395648" cy="3837389"/>
           </a:xfrm>
           <a:prstGeom prst="rect">
             <a:avLst/>
@@ -9243,10 +9479,10 @@
       </p:grpSpPr>
       <p:sp useBgFill="1">
         <p:nvSpPr>
-          <p:cNvPr id="14" name="Rectangle 13">
+          <p:cNvPr id="21" name="Rectangle 20">
             <a:extLst>
               <a:ext uri="{FF2B5EF4-FFF2-40B4-BE49-F238E27FC236}">
-                <a16:creationId xmlns:a16="http://schemas.microsoft.com/office/drawing/2014/main" id="{E91DC736-0EF8-4F87-9146-EBF1D2EE4D3D}"/>
+                <a16:creationId xmlns:a16="http://schemas.microsoft.com/office/drawing/2014/main" id="{0671A8AE-40A1-4631-A6B8-581AFF065482}"/>
               </a:ext>
               <a:ext uri="{C183D7F6-B498-43B3-948B-1728B52AA6E4}">
                 <adec:decorative xmlns:adec="http://schemas.microsoft.com/office/drawing/2017/decorative" val="1"/>
@@ -9338,10 +9574,10 @@
       </p:pic>
       <p:sp>
         <p:nvSpPr>
-          <p:cNvPr id="16" name="Rectangle 15">
+          <p:cNvPr id="23" name="Rectangle 22">
             <a:extLst>
               <a:ext uri="{FF2B5EF4-FFF2-40B4-BE49-F238E27FC236}">
-                <a16:creationId xmlns:a16="http://schemas.microsoft.com/office/drawing/2014/main" id="{097CD68E-23E3-4007-8847-CD0944C4F7BE}"/>
+                <a16:creationId xmlns:a16="http://schemas.microsoft.com/office/drawing/2014/main" id="{AB58EF07-17C2-48CF-ABB0-EEF1F17CB8F0}"/>
               </a:ext>
               <a:ext uri="{C183D7F6-B498-43B3-948B-1728B52AA6E4}">
                 <adec:decorative xmlns:adec="http://schemas.microsoft.com/office/drawing/2017/decorative" val="1"/>
@@ -9361,8 +9597,8 @@
         </p:nvSpPr>
         <p:spPr>
           <a:xfrm>
-            <a:off x="0" y="0"/>
-            <a:ext cx="9756601" cy="6858000"/>
+            <a:off x="3" y="0"/>
+            <a:ext cx="9339206" cy="6858000"/>
           </a:xfrm>
           <a:prstGeom prst="rect">
             <a:avLst/>
@@ -9370,25 +9606,20 @@
           <a:gradFill>
             <a:gsLst>
               <a:gs pos="58000">
-                <a:schemeClr val="bg1"/>
+                <a:schemeClr val="tx1"/>
               </a:gs>
-              <a:gs pos="35000">
-                <a:schemeClr val="bg1">
-                  <a:alpha val="79000"/>
-                </a:schemeClr>
-              </a:gs>
-              <a:gs pos="19000">
-                <a:schemeClr val="bg1">
-                  <a:alpha val="38000"/>
+              <a:gs pos="33000">
+                <a:schemeClr val="tx1">
+                  <a:alpha val="64000"/>
                 </a:schemeClr>
               </a:gs>
               <a:gs pos="0">
-                <a:schemeClr val="bg1">
+                <a:schemeClr val="tx1">
                   <a:alpha val="0"/>
                 </a:schemeClr>
               </a:gs>
               <a:gs pos="100000">
-                <a:schemeClr val="bg1"/>
+                <a:schemeClr val="tx1"/>
               </a:gs>
             </a:gsLst>
             <a:lin ang="10800000" scaled="0"/>
@@ -9462,6 +9693,9 @@
             </a:pPr>
             <a:r>
               <a:rPr lang="en-US" sz="4800">
+                <a:solidFill>
+                  <a:schemeClr val="bg1"/>
+                </a:solidFill>
                 <a:latin typeface="+mj-lt"/>
                 <a:ea typeface="+mj-ea"/>
                 <a:cs typeface="+mj-cs"/>
@@ -9473,7 +9707,7 @@
       </p:sp>
       <p:sp>
         <p:nvSpPr>
-          <p:cNvPr id="13" name="Rectangle 12">
+          <p:cNvPr id="25" name="Rectangle 24">
             <a:extLst>
               <a:ext uri="{FF2B5EF4-FFF2-40B4-BE49-F238E27FC236}">
                 <a16:creationId xmlns:a16="http://schemas.microsoft.com/office/drawing/2014/main" id="{AF2F604E-43BE-4DC3-B983-E071523364F8}"/>
@@ -9541,7 +9775,7 @@
       </p:sp>
       <p:sp>
         <p:nvSpPr>
-          <p:cNvPr id="15" name="Rectangle 14">
+          <p:cNvPr id="27" name="Rectangle 26">
             <a:extLst>
               <a:ext uri="{FF2B5EF4-FFF2-40B4-BE49-F238E27FC236}">
                 <a16:creationId xmlns:a16="http://schemas.microsoft.com/office/drawing/2014/main" id="{08C9B587-E65E-4B52-B37C-ABEBB6E87928}"/>
@@ -9571,7 +9805,7 @@
             <a:avLst/>
           </a:prstGeom>
           <a:solidFill>
-            <a:srgbClr val="D5D5D5"/>
+            <a:schemeClr val="tx1"/>
           </a:solidFill>
           <a:ln w="3175">
             <a:noFill/>
@@ -12427,8 +12661,8 @@
         </p:nvSpPr>
         <p:spPr>
           <a:xfrm>
-            <a:off x="323529" y="3082010"/>
-            <a:ext cx="2089438" cy="1938992"/>
+            <a:off x="180975" y="3082010"/>
+            <a:ext cx="2231992" cy="1569660"/>
           </a:xfrm>
           <a:prstGeom prst="rect">
             <a:avLst/>
@@ -12463,10 +12697,34 @@
                 </a:solidFill>
                 <a:cs typeface="Arial" pitchFamily="34" charset="0"/>
               </a:rPr>
-              <a:t> are 120 </a:t>
+              <a:t> are </a:t>
             </a:r>
             <a:r>
-              <a:rPr lang="es-ES" altLang="ko-KR" sz="2400" dirty="0" err="1">
+              <a:rPr lang="es-ES" altLang="ko-KR" sz="2400" b="1" dirty="0">
+                <a:solidFill>
+                  <a:schemeClr val="tx1">
+                    <a:lumMod val="65000"/>
+                    <a:lumOff val="35000"/>
+                  </a:schemeClr>
+                </a:solidFill>
+                <a:cs typeface="Arial" pitchFamily="34" charset="0"/>
+              </a:rPr>
+              <a:t>120</a:t>
+            </a:r>
+            <a:r>
+              <a:rPr lang="es-ES" altLang="ko-KR" sz="2400" dirty="0">
+                <a:solidFill>
+                  <a:schemeClr val="tx1">
+                    <a:lumMod val="65000"/>
+                    <a:lumOff val="35000"/>
+                  </a:schemeClr>
+                </a:solidFill>
+                <a:cs typeface="Arial" pitchFamily="34" charset="0"/>
+              </a:rPr>
+              <a:t> </a:t>
+            </a:r>
+            <a:r>
+              <a:rPr lang="es-ES" altLang="ko-KR" sz="2400" b="1" dirty="0" err="1">
                 <a:solidFill>
                   <a:schemeClr val="tx1">
                     <a:lumMod val="65000"/>
@@ -12478,7 +12736,7 @@
               <a:t>guns</a:t>
             </a:r>
             <a:r>
-              <a:rPr lang="es-ES" altLang="ko-KR" sz="2400" dirty="0">
+              <a:rPr lang="es-ES" altLang="ko-KR" sz="2400" b="1" dirty="0">
                 <a:solidFill>
                   <a:schemeClr val="tx1">
                     <a:lumMod val="65000"/>
@@ -12535,10 +12793,22 @@
                 </a:solidFill>
                 <a:cs typeface="Arial" pitchFamily="34" charset="0"/>
               </a:rPr>
-              <a:t> 100 </a:t>
+              <a:t> </a:t>
             </a:r>
             <a:r>
-              <a:rPr lang="es-ES" altLang="ko-KR" sz="2400" dirty="0" err="1">
+              <a:rPr lang="es-ES" altLang="ko-KR" sz="2400" b="1" dirty="0">
+                <a:solidFill>
+                  <a:schemeClr val="tx1">
+                    <a:lumMod val="65000"/>
+                    <a:lumOff val="35000"/>
+                  </a:schemeClr>
+                </a:solidFill>
+                <a:cs typeface="Arial" pitchFamily="34" charset="0"/>
+              </a:rPr>
+              <a:t>100 </a:t>
+            </a:r>
+            <a:r>
+              <a:rPr lang="es-ES" altLang="ko-KR" sz="2400" b="1" dirty="0" err="1">
                 <a:solidFill>
                   <a:schemeClr val="tx1">
                     <a:lumMod val="65000"/>
